--- a/Disease_Predictor.pptx
+++ b/Disease_Predictor.pptx
@@ -315,7 +315,7 @@
           <a:p>
             <a:fld id="{3B259302-272B-41EF-9535-D0E519215398}" type="datetimeFigureOut">
               <a:rPr lang="en-US" smtClean="0"/>
-              <a:t>2/12/2024</a:t>
+              <a:t>2/14/2024</a:t>
             </a:fld>
             <a:endParaRPr lang="en-US"/>
           </a:p>
@@ -590,7 +590,7 @@
           <a:p>
             <a:fld id="{3B259302-272B-41EF-9535-D0E519215398}" type="datetimeFigureOut">
               <a:rPr lang="en-US" smtClean="0"/>
-              <a:t>2/12/2024</a:t>
+              <a:t>2/14/2024</a:t>
             </a:fld>
             <a:endParaRPr lang="en-US"/>
           </a:p>
@@ -784,7 +784,7 @@
           <a:p>
             <a:fld id="{3B259302-272B-41EF-9535-D0E519215398}" type="datetimeFigureOut">
               <a:rPr lang="en-US" smtClean="0"/>
-              <a:t>2/12/2024</a:t>
+              <a:t>2/14/2024</a:t>
             </a:fld>
             <a:endParaRPr lang="en-US"/>
           </a:p>
@@ -1057,7 +1057,7 @@
           <a:p>
             <a:fld id="{3B259302-272B-41EF-9535-D0E519215398}" type="datetimeFigureOut">
               <a:rPr lang="en-US" smtClean="0"/>
-              <a:t>2/12/2024</a:t>
+              <a:t>2/14/2024</a:t>
             </a:fld>
             <a:endParaRPr lang="en-US"/>
           </a:p>
@@ -1398,7 +1398,7 @@
           <a:p>
             <a:fld id="{3B259302-272B-41EF-9535-D0E519215398}" type="datetimeFigureOut">
               <a:rPr lang="en-US" smtClean="0"/>
-              <a:t>2/12/2024</a:t>
+              <a:t>2/14/2024</a:t>
             </a:fld>
             <a:endParaRPr lang="en-US"/>
           </a:p>
@@ -2021,7 +2021,7 @@
           <a:p>
             <a:fld id="{3B259302-272B-41EF-9535-D0E519215398}" type="datetimeFigureOut">
               <a:rPr lang="en-US" smtClean="0"/>
-              <a:t>2/12/2024</a:t>
+              <a:t>2/14/2024</a:t>
             </a:fld>
             <a:endParaRPr lang="en-US"/>
           </a:p>
@@ -2881,7 +2881,7 @@
           <a:p>
             <a:fld id="{3B259302-272B-41EF-9535-D0E519215398}" type="datetimeFigureOut">
               <a:rPr lang="en-US" smtClean="0"/>
-              <a:t>2/12/2024</a:t>
+              <a:t>2/14/2024</a:t>
             </a:fld>
             <a:endParaRPr lang="en-US"/>
           </a:p>
@@ -3051,7 +3051,7 @@
           <a:p>
             <a:fld id="{3B259302-272B-41EF-9535-D0E519215398}" type="datetimeFigureOut">
               <a:rPr lang="en-US" smtClean="0"/>
-              <a:t>2/12/2024</a:t>
+              <a:t>2/14/2024</a:t>
             </a:fld>
             <a:endParaRPr lang="en-US"/>
           </a:p>
@@ -3231,7 +3231,7 @@
           <a:p>
             <a:fld id="{3B259302-272B-41EF-9535-D0E519215398}" type="datetimeFigureOut">
               <a:rPr lang="en-US" smtClean="0"/>
-              <a:t>2/12/2024</a:t>
+              <a:t>2/14/2024</a:t>
             </a:fld>
             <a:endParaRPr lang="en-US"/>
           </a:p>
@@ -3401,7 +3401,7 @@
           <a:p>
             <a:fld id="{3B259302-272B-41EF-9535-D0E519215398}" type="datetimeFigureOut">
               <a:rPr lang="en-US" smtClean="0"/>
-              <a:t>2/12/2024</a:t>
+              <a:t>2/14/2024</a:t>
             </a:fld>
             <a:endParaRPr lang="en-US"/>
           </a:p>
@@ -3648,7 +3648,7 @@
           <a:p>
             <a:fld id="{3B259302-272B-41EF-9535-D0E519215398}" type="datetimeFigureOut">
               <a:rPr lang="en-US" smtClean="0"/>
-              <a:t>2/12/2024</a:t>
+              <a:t>2/14/2024</a:t>
             </a:fld>
             <a:endParaRPr lang="en-US"/>
           </a:p>
@@ -3940,7 +3940,7 @@
           <a:p>
             <a:fld id="{3B259302-272B-41EF-9535-D0E519215398}" type="datetimeFigureOut">
               <a:rPr lang="en-US" smtClean="0"/>
-              <a:t>2/12/2024</a:t>
+              <a:t>2/14/2024</a:t>
             </a:fld>
             <a:endParaRPr lang="en-US"/>
           </a:p>
@@ -4384,7 +4384,7 @@
           <a:p>
             <a:fld id="{3B259302-272B-41EF-9535-D0E519215398}" type="datetimeFigureOut">
               <a:rPr lang="en-US" smtClean="0"/>
-              <a:t>2/12/2024</a:t>
+              <a:t>2/14/2024</a:t>
             </a:fld>
             <a:endParaRPr lang="en-US"/>
           </a:p>
@@ -4502,7 +4502,7 @@
           <a:p>
             <a:fld id="{3B259302-272B-41EF-9535-D0E519215398}" type="datetimeFigureOut">
               <a:rPr lang="en-US" smtClean="0"/>
-              <a:t>2/12/2024</a:t>
+              <a:t>2/14/2024</a:t>
             </a:fld>
             <a:endParaRPr lang="en-US"/>
           </a:p>
@@ -4597,7 +4597,7 @@
           <a:p>
             <a:fld id="{3B259302-272B-41EF-9535-D0E519215398}" type="datetimeFigureOut">
               <a:rPr lang="en-US" smtClean="0"/>
-              <a:t>2/12/2024</a:t>
+              <a:t>2/14/2024</a:t>
             </a:fld>
             <a:endParaRPr lang="en-US"/>
           </a:p>
@@ -4876,7 +4876,7 @@
           <a:p>
             <a:fld id="{3B259302-272B-41EF-9535-D0E519215398}" type="datetimeFigureOut">
               <a:rPr lang="en-US" smtClean="0"/>
-              <a:t>2/12/2024</a:t>
+              <a:t>2/14/2024</a:t>
             </a:fld>
             <a:endParaRPr lang="en-US"/>
           </a:p>
@@ -5151,7 +5151,7 @@
           <a:p>
             <a:fld id="{3B259302-272B-41EF-9535-D0E519215398}" type="datetimeFigureOut">
               <a:rPr lang="en-US" smtClean="0"/>
-              <a:t>2/12/2024</a:t>
+              <a:t>2/14/2024</a:t>
             </a:fld>
             <a:endParaRPr lang="en-US"/>
           </a:p>
@@ -5580,7 +5580,7 @@
           <a:p>
             <a:fld id="{3B259302-272B-41EF-9535-D0E519215398}" type="datetimeFigureOut">
               <a:rPr lang="en-US" smtClean="0"/>
-              <a:t>2/12/2024</a:t>
+              <a:t>2/14/2024</a:t>
             </a:fld>
             <a:endParaRPr lang="en-US"/>
           </a:p>
@@ -7197,7 +7197,7 @@
           <p:cNvPr id="2" name="Title 1">
             <a:extLst>
               <a:ext uri="{FF2B5EF4-FFF2-40B4-BE49-F238E27FC236}">
-                <a16:creationId xmlns:a16="http://schemas.microsoft.com/office/drawing/2014/main" id="{4036D734-B0CD-B78D-D579-88A41D8D76F5}"/>
+                <a16:creationId xmlns:a16="http://schemas.microsoft.com/office/drawing/2014/main" id="{75305433-7BAD-03A4-E811-2323E0BEF008}"/>
               </a:ext>
             </a:extLst>
           </p:cNvPr>
@@ -7222,17 +7222,19 @@
       </p:sp>
       <p:pic>
         <p:nvPicPr>
-          <p:cNvPr id="5" name="Picture 4">
+          <p:cNvPr id="5" name="Content Placeholder 4">
             <a:extLst>
               <a:ext uri="{FF2B5EF4-FFF2-40B4-BE49-F238E27FC236}">
-                <a16:creationId xmlns:a16="http://schemas.microsoft.com/office/drawing/2014/main" id="{4B8F8A30-EB63-2C6E-7057-FF4075E66440}"/>
+                <a16:creationId xmlns:a16="http://schemas.microsoft.com/office/drawing/2014/main" id="{76AC9D1C-CD47-85F0-6AFF-753FB185445C}"/>
               </a:ext>
             </a:extLst>
           </p:cNvPr>
           <p:cNvPicPr>
-            <a:picLocks noChangeAspect="1"/>
+            <a:picLocks noGrp="1" noChangeAspect="1"/>
           </p:cNvPicPr>
-          <p:nvPr/>
+          <p:nvPr>
+            <p:ph idx="1"/>
+          </p:nvPr>
         </p:nvPicPr>
         <p:blipFill>
           <a:blip r:embed="rId2"/>
@@ -7242,78 +7244,289 @@
         </p:blipFill>
         <p:spPr>
           <a:xfrm>
-            <a:off x="641849" y="1853248"/>
-            <a:ext cx="5308307" cy="3403562"/>
+            <a:off x="488904" y="1812579"/>
+            <a:ext cx="7368602" cy="4675074"/>
+          </a:xfrm>
+        </p:spPr>
+      </p:pic>
+      <p:sp>
+        <p:nvSpPr>
+          <p:cNvPr id="6" name="TextBox 5">
+            <a:extLst>
+              <a:ext uri="{FF2B5EF4-FFF2-40B4-BE49-F238E27FC236}">
+                <a16:creationId xmlns:a16="http://schemas.microsoft.com/office/drawing/2014/main" id="{C1065DAA-01F2-2B71-BD7A-953812AD8E37}"/>
+              </a:ext>
+            </a:extLst>
+          </p:cNvPr>
+          <p:cNvSpPr txBox="1"/>
+          <p:nvPr/>
+        </p:nvSpPr>
+        <p:spPr>
+          <a:xfrm>
+            <a:off x="9373590" y="1853248"/>
+            <a:ext cx="2398815" cy="2520830"/>
           </a:xfrm>
           <a:prstGeom prst="rect">
             <a:avLst/>
           </a:prstGeom>
+          <a:noFill/>
         </p:spPr>
-      </p:pic>
-      <p:pic>
-        <p:nvPicPr>
-          <p:cNvPr id="7" name="Picture 6">
+        <p:txBody>
+          <a:bodyPr wrap="square" rtlCol="0">
+            <a:spAutoFit/>
+          </a:bodyPr>
+          <a:lstStyle/>
+          <a:p>
+            <a:endParaRPr lang="en-US" dirty="0"/>
+          </a:p>
+        </p:txBody>
+      </p:sp>
+      <p:graphicFrame>
+        <p:nvGraphicFramePr>
+          <p:cNvPr id="8" name="Table 7">
             <a:extLst>
               <a:ext uri="{FF2B5EF4-FFF2-40B4-BE49-F238E27FC236}">
-                <a16:creationId xmlns:a16="http://schemas.microsoft.com/office/drawing/2014/main" id="{C9DF0DBC-1BEC-5F5D-A599-1E63FA0D2116}"/>
+                <a16:creationId xmlns:a16="http://schemas.microsoft.com/office/drawing/2014/main" id="{8712B591-712B-E8D1-09E1-A5B72493350E}"/>
               </a:ext>
             </a:extLst>
           </p:cNvPr>
-          <p:cNvPicPr>
-            <a:picLocks noChangeAspect="1"/>
-          </p:cNvPicPr>
+          <p:cNvGraphicFramePr>
+            <a:graphicFrameLocks noGrp="1"/>
+          </p:cNvGraphicFramePr>
           <p:nvPr/>
-        </p:nvPicPr>
-        <p:blipFill>
-          <a:blip r:embed="rId3"/>
-          <a:stretch>
-            <a:fillRect/>
-          </a:stretch>
-        </p:blipFill>
-        <p:spPr>
-          <a:xfrm>
-            <a:off x="6238540" y="1264240"/>
-            <a:ext cx="4224347" cy="2680174"/>
-          </a:xfrm>
-          <a:prstGeom prst="rect">
-            <a:avLst/>
-          </a:prstGeom>
-        </p:spPr>
-      </p:pic>
-      <p:pic>
-        <p:nvPicPr>
-          <p:cNvPr id="9" name="Picture 8">
-            <a:extLst>
-              <a:ext uri="{FF2B5EF4-FFF2-40B4-BE49-F238E27FC236}">
-                <a16:creationId xmlns:a16="http://schemas.microsoft.com/office/drawing/2014/main" id="{B6BB34ED-66F5-22B3-F18D-4F19A0EC5E87}"/>
-              </a:ext>
-            </a:extLst>
-          </p:cNvPr>
-          <p:cNvPicPr>
-            <a:picLocks noChangeAspect="1"/>
-          </p:cNvPicPr>
-          <p:nvPr/>
-        </p:nvPicPr>
-        <p:blipFill>
-          <a:blip r:embed="rId4"/>
-          <a:stretch>
-            <a:fillRect/>
-          </a:stretch>
-        </p:blipFill>
-        <p:spPr>
-          <a:xfrm>
-            <a:off x="6241846" y="4099230"/>
-            <a:ext cx="4221041" cy="2706431"/>
-          </a:xfrm>
-          <a:prstGeom prst="rect">
-            <a:avLst/>
-          </a:prstGeom>
-        </p:spPr>
-      </p:pic>
+        </p:nvGraphicFramePr>
+        <p:xfrm>
+          <a:off x="8025702" y="2022765"/>
+          <a:ext cx="3677394" cy="3051956"/>
+        </p:xfrm>
+        <a:graphic>
+          <a:graphicData uri="http://schemas.openxmlformats.org/drawingml/2006/table">
+            <a:tbl>
+              <a:tblPr firstRow="1" bandRow="1">
+                <a:tableStyleId>{5C22544A-7EE6-4342-B048-85BDC9FD1C3A}</a:tableStyleId>
+              </a:tblPr>
+              <a:tblGrid>
+                <a:gridCol w="1838697">
+                  <a:extLst>
+                    <a:ext uri="{9D8B030D-6E8A-4147-A177-3AD203B41FA5}">
+                      <a16:colId xmlns:a16="http://schemas.microsoft.com/office/drawing/2014/main" val="2738307888"/>
+                    </a:ext>
+                  </a:extLst>
+                </a:gridCol>
+                <a:gridCol w="1838697">
+                  <a:extLst>
+                    <a:ext uri="{9D8B030D-6E8A-4147-A177-3AD203B41FA5}">
+                      <a16:colId xmlns:a16="http://schemas.microsoft.com/office/drawing/2014/main" val="2426398985"/>
+                    </a:ext>
+                  </a:extLst>
+                </a:gridCol>
+              </a:tblGrid>
+              <a:tr h="785136">
+                <a:tc>
+                  <a:txBody>
+                    <a:bodyPr/>
+                    <a:lstStyle/>
+                    <a:p>
+                      <a:r>
+                        <a:rPr lang="en-US" dirty="0"/>
+                        <a:t>Smoking History </a:t>
+                      </a:r>
+                    </a:p>
+                  </a:txBody>
+                  <a:tcPr/>
+                </a:tc>
+                <a:tc>
+                  <a:txBody>
+                    <a:bodyPr/>
+                    <a:lstStyle/>
+                    <a:p>
+                      <a:r>
+                        <a:rPr lang="en-US" dirty="0"/>
+                        <a:t>Mean </a:t>
+                      </a:r>
+                    </a:p>
+                  </a:txBody>
+                  <a:tcPr/>
+                </a:tc>
+                <a:extLst>
+                  <a:ext uri="{0D108BD9-81ED-4DB2-BD59-A6C34878D82A}">
+                    <a16:rowId xmlns:a16="http://schemas.microsoft.com/office/drawing/2014/main" val="2766367533"/>
+                  </a:ext>
+                </a:extLst>
+              </a:tr>
+              <a:tr h="453364">
+                <a:tc>
+                  <a:txBody>
+                    <a:bodyPr/>
+                    <a:lstStyle/>
+                    <a:p>
+                      <a:r>
+                        <a:rPr lang="en-US" dirty="0"/>
+                        <a:t>Current </a:t>
+                      </a:r>
+                    </a:p>
+                  </a:txBody>
+                  <a:tcPr/>
+                </a:tc>
+                <a:tc>
+                  <a:txBody>
+                    <a:bodyPr/>
+                    <a:lstStyle/>
+                    <a:p>
+                      <a:r>
+                        <a:rPr lang="en-US" dirty="0"/>
+                        <a:t>44.103</a:t>
+                      </a:r>
+                    </a:p>
+                  </a:txBody>
+                  <a:tcPr/>
+                </a:tc>
+                <a:extLst>
+                  <a:ext uri="{0D108BD9-81ED-4DB2-BD59-A6C34878D82A}">
+                    <a16:rowId xmlns:a16="http://schemas.microsoft.com/office/drawing/2014/main" val="2584926873"/>
+                  </a:ext>
+                </a:extLst>
+              </a:tr>
+              <a:tr h="453364">
+                <a:tc>
+                  <a:txBody>
+                    <a:bodyPr/>
+                    <a:lstStyle/>
+                    <a:p>
+                      <a:r>
+                        <a:rPr lang="en-US" dirty="0"/>
+                        <a:t>Ever</a:t>
+                      </a:r>
+                    </a:p>
+                  </a:txBody>
+                  <a:tcPr/>
+                </a:tc>
+                <a:tc>
+                  <a:txBody>
+                    <a:bodyPr/>
+                    <a:lstStyle/>
+                    <a:p>
+                      <a:r>
+                        <a:rPr lang="en-US" dirty="0"/>
+                        <a:t>49.147</a:t>
+                      </a:r>
+                    </a:p>
+                  </a:txBody>
+                  <a:tcPr/>
+                </a:tc>
+                <a:extLst>
+                  <a:ext uri="{0D108BD9-81ED-4DB2-BD59-A6C34878D82A}">
+                    <a16:rowId xmlns:a16="http://schemas.microsoft.com/office/drawing/2014/main" val="1851345567"/>
+                  </a:ext>
+                </a:extLst>
+              </a:tr>
+              <a:tr h="453364">
+                <a:tc>
+                  <a:txBody>
+                    <a:bodyPr/>
+                    <a:lstStyle/>
+                    <a:p>
+                      <a:r>
+                        <a:rPr lang="en-US" dirty="0"/>
+                        <a:t>Never</a:t>
+                      </a:r>
+                    </a:p>
+                  </a:txBody>
+                  <a:tcPr/>
+                </a:tc>
+                <a:tc>
+                  <a:txBody>
+                    <a:bodyPr/>
+                    <a:lstStyle/>
+                    <a:p>
+                      <a:r>
+                        <a:rPr lang="en-US" dirty="0"/>
+                        <a:t>43.875</a:t>
+                      </a:r>
+                    </a:p>
+                  </a:txBody>
+                  <a:tcPr/>
+                </a:tc>
+                <a:extLst>
+                  <a:ext uri="{0D108BD9-81ED-4DB2-BD59-A6C34878D82A}">
+                    <a16:rowId xmlns:a16="http://schemas.microsoft.com/office/drawing/2014/main" val="2817208624"/>
+                  </a:ext>
+                </a:extLst>
+              </a:tr>
+              <a:tr h="453364">
+                <a:tc>
+                  <a:txBody>
+                    <a:bodyPr/>
+                    <a:lstStyle/>
+                    <a:p>
+                      <a:r>
+                        <a:rPr lang="en-US" dirty="0"/>
+                        <a:t>Former </a:t>
+                      </a:r>
+                    </a:p>
+                  </a:txBody>
+                  <a:tcPr/>
+                </a:tc>
+                <a:tc>
+                  <a:txBody>
+                    <a:bodyPr/>
+                    <a:lstStyle/>
+                    <a:p>
+                      <a:r>
+                        <a:rPr lang="en-US" dirty="0"/>
+                        <a:t>57.02</a:t>
+                      </a:r>
+                    </a:p>
+                  </a:txBody>
+                  <a:tcPr/>
+                </a:tc>
+                <a:extLst>
+                  <a:ext uri="{0D108BD9-81ED-4DB2-BD59-A6C34878D82A}">
+                    <a16:rowId xmlns:a16="http://schemas.microsoft.com/office/drawing/2014/main" val="180934722"/>
+                  </a:ext>
+                </a:extLst>
+              </a:tr>
+              <a:tr h="453364">
+                <a:tc>
+                  <a:txBody>
+                    <a:bodyPr/>
+                    <a:lstStyle/>
+                    <a:p>
+                      <a:r>
+                        <a:rPr lang="en-US" dirty="0"/>
+                        <a:t>Not current</a:t>
+                      </a:r>
+                    </a:p>
+                  </a:txBody>
+                  <a:tcPr/>
+                </a:tc>
+                <a:tc>
+                  <a:txBody>
+                    <a:bodyPr/>
+                    <a:lstStyle/>
+                    <a:p>
+                      <a:r>
+                        <a:rPr lang="en-US" dirty="0"/>
+                        <a:t>47.687</a:t>
+                      </a:r>
+                    </a:p>
+                  </a:txBody>
+                  <a:tcPr/>
+                </a:tc>
+                <a:extLst>
+                  <a:ext uri="{0D108BD9-81ED-4DB2-BD59-A6C34878D82A}">
+                    <a16:rowId xmlns:a16="http://schemas.microsoft.com/office/drawing/2014/main" val="2505565346"/>
+                  </a:ext>
+                </a:extLst>
+              </a:tr>
+            </a:tbl>
+          </a:graphicData>
+        </a:graphic>
+      </p:graphicFrame>
     </p:spTree>
     <p:extLst>
       <p:ext uri="{BB962C8B-B14F-4D97-AF65-F5344CB8AC3E}">
-        <p14:creationId xmlns:p14="http://schemas.microsoft.com/office/powerpoint/2010/main" val="140541581"/>
+        <p14:creationId xmlns:p14="http://schemas.microsoft.com/office/powerpoint/2010/main" val="465377324"/>
       </p:ext>
     </p:extLst>
   </p:cSld>
@@ -7345,7 +7558,7 @@
           <p:cNvPr id="2" name="Title 1">
             <a:extLst>
               <a:ext uri="{FF2B5EF4-FFF2-40B4-BE49-F238E27FC236}">
-                <a16:creationId xmlns:a16="http://schemas.microsoft.com/office/drawing/2014/main" id="{4036D734-B0CD-B78D-D579-88A41D8D76F5}"/>
+                <a16:creationId xmlns:a16="http://schemas.microsoft.com/office/drawing/2014/main" id="{089F111A-32F8-4522-A03C-64916AFA2A5F}"/>
               </a:ext>
             </a:extLst>
           </p:cNvPr>
@@ -7362,18 +7575,23 @@
           <a:lstStyle/>
           <a:p>
             <a:r>
-              <a:rPr lang="en-US" dirty="0"/>
-              <a:t>Q7: Smoking History Age Distribution</a:t>
-            </a:r>
+              <a:rPr lang="en-US" dirty="0">
+                <a:latin typeface="Calibri" panose="020F0502020204030204" pitchFamily="34" charset="0"/>
+                <a:ea typeface="Calibri" panose="020F0502020204030204" pitchFamily="34" charset="0"/>
+                <a:cs typeface="Calibri" panose="020F0502020204030204" pitchFamily="34" charset="0"/>
+              </a:rPr>
+              <a:t>Q8: Compare census population data to the healthcare dataset.</a:t>
+            </a:r>
+            <a:endParaRPr lang="en-US" dirty="0"/>
           </a:p>
         </p:txBody>
       </p:sp>
       <p:pic>
         <p:nvPicPr>
-          <p:cNvPr id="5" name="Picture 4">
+          <p:cNvPr id="4" name="Picture 3">
             <a:extLst>
               <a:ext uri="{FF2B5EF4-FFF2-40B4-BE49-F238E27FC236}">
-                <a16:creationId xmlns:a16="http://schemas.microsoft.com/office/drawing/2014/main" id="{4B8F8A30-EB63-2C6E-7057-FF4075E66440}"/>
+                <a16:creationId xmlns:a16="http://schemas.microsoft.com/office/drawing/2014/main" id="{529A2F45-CDCB-5B00-C8CB-F6EB3EA6B9B5}"/>
               </a:ext>
             </a:extLst>
           </p:cNvPr>
@@ -7390,8 +7608,8 @@
         </p:blipFill>
         <p:spPr>
           <a:xfrm>
-            <a:off x="641849" y="1853248"/>
-            <a:ext cx="5308307" cy="3403562"/>
+            <a:off x="71000" y="1853248"/>
+            <a:ext cx="6058895" cy="4089754"/>
           </a:xfrm>
           <a:prstGeom prst="rect">
             <a:avLst/>
@@ -7400,10 +7618,10 @@
       </p:pic>
       <p:pic>
         <p:nvPicPr>
-          <p:cNvPr id="7" name="Picture 6">
+          <p:cNvPr id="5" name="Picture 4">
             <a:extLst>
               <a:ext uri="{FF2B5EF4-FFF2-40B4-BE49-F238E27FC236}">
-                <a16:creationId xmlns:a16="http://schemas.microsoft.com/office/drawing/2014/main" id="{C9DF0DBC-1BEC-5F5D-A599-1E63FA0D2116}"/>
+                <a16:creationId xmlns:a16="http://schemas.microsoft.com/office/drawing/2014/main" id="{099F5633-EC12-D4EC-4744-CB441314D4FB}"/>
               </a:ext>
             </a:extLst>
           </p:cNvPr>
@@ -7420,38 +7638,8 @@
         </p:blipFill>
         <p:spPr>
           <a:xfrm>
-            <a:off x="6238540" y="1264240"/>
-            <a:ext cx="4224347" cy="2680174"/>
-          </a:xfrm>
-          <a:prstGeom prst="rect">
-            <a:avLst/>
-          </a:prstGeom>
-        </p:spPr>
-      </p:pic>
-      <p:pic>
-        <p:nvPicPr>
-          <p:cNvPr id="9" name="Picture 8">
-            <a:extLst>
-              <a:ext uri="{FF2B5EF4-FFF2-40B4-BE49-F238E27FC236}">
-                <a16:creationId xmlns:a16="http://schemas.microsoft.com/office/drawing/2014/main" id="{B6BB34ED-66F5-22B3-F18D-4F19A0EC5E87}"/>
-              </a:ext>
-            </a:extLst>
-          </p:cNvPr>
-          <p:cNvPicPr>
-            <a:picLocks noChangeAspect="1"/>
-          </p:cNvPicPr>
-          <p:nvPr/>
-        </p:nvPicPr>
-        <p:blipFill>
-          <a:blip r:embed="rId4"/>
-          <a:stretch>
-            <a:fillRect/>
-          </a:stretch>
-        </p:blipFill>
-        <p:spPr>
-          <a:xfrm>
-            <a:off x="6241846" y="4099230"/>
-            <a:ext cx="4221041" cy="2706431"/>
+            <a:off x="6209653" y="1853248"/>
+            <a:ext cx="5927181" cy="4089754"/>
           </a:xfrm>
           <a:prstGeom prst="rect">
             <a:avLst/>
@@ -7461,7 +7649,7 @@
     </p:spTree>
     <p:extLst>
       <p:ext uri="{BB962C8B-B14F-4D97-AF65-F5344CB8AC3E}">
-        <p14:creationId xmlns:p14="http://schemas.microsoft.com/office/powerpoint/2010/main" val="4157046912"/>
+        <p14:creationId xmlns:p14="http://schemas.microsoft.com/office/powerpoint/2010/main" val="2978234204"/>
       </p:ext>
     </p:extLst>
   </p:cSld>
@@ -8240,25 +8428,13 @@
           <a:p>
             <a:r>
               <a:rPr lang="en-US" dirty="0"/>
-              <a:t>Conduct further analysis within the peak age group specifically to determine where critical age begins.</a:t>
+              <a:t>Look further into former smoker age distribution</a:t>
             </a:r>
           </a:p>
           <a:p>
             <a:r>
               <a:rPr lang="en-US" dirty="0"/>
-              <a:t>Determine whether there is correlation among some of the variables not considered during this exam.</a:t>
-            </a:r>
-          </a:p>
-          <a:p>
-            <a:r>
-              <a:rPr lang="en-US" dirty="0"/>
-              <a:t>Look further into former smoker age distribution (at what age the smokers stopped). </a:t>
-            </a:r>
-          </a:p>
-          <a:p>
-            <a:r>
-              <a:rPr lang="en-US" dirty="0"/>
-              <a:t>Clean the data to obtain a relevant age distribution to reflect the Arizona population.</a:t>
+              <a:t>Expand study application on AZ to every age group </a:t>
             </a:r>
           </a:p>
         </p:txBody>
